--- a/Assignment3-Windows/Code/build/result.pptx
+++ b/Assignment3-Windows/Code/build/result.pptx
@@ -6,6 +6,7 @@
   </p:sldMasterIdLst>
   <p:sldIdLst>
     <p:sldId id="256" r:id="rId2"/>
+    <p:sldId id="257" r:id="rId3"/>
   </p:sldIdLst>
   <p:sldSz cx="12192000" cy="6858000"/>
   <p:notesSz cx="6858000" cy="9144000"/>
@@ -104,6 +105,11 @@
       </a:defRPr>
     </a:lvl9pPr>
   </p:defaultTextStyle>
+  <p:extLst>
+    <p:ext uri="{EFAFB233-063F-42B5-8137-9DF3F51BA10A}">
+      <p15:sldGuideLst xmlns:p15="http://schemas.microsoft.com/office/powerpoint/2012/main"/>
+    </p:ext>
+  </p:extLst>
 </p:presentation>
 </file>
 
@@ -3586,6 +3592,288 @@
 </p:sld>
 </file>
 
+<file path=ppt/slides/slide2.xml><?xml version="1.0" encoding="utf-8"?>
+<p:sld xmlns:a="http://schemas.openxmlformats.org/drawingml/2006/main" xmlns:r="http://schemas.openxmlformats.org/officeDocument/2006/relationships" xmlns:p="http://schemas.openxmlformats.org/presentationml/2006/main">
+  <p:cSld>
+    <p:spTree>
+      <p:nvGrpSpPr>
+        <p:cNvPr id="1" name=""/>
+        <p:cNvGrpSpPr/>
+        <p:nvPr/>
+      </p:nvGrpSpPr>
+      <p:grpSpPr>
+        <a:xfrm>
+          <a:off x="0" y="0"/>
+          <a:ext cx="0" cy="0"/>
+          <a:chOff x="0" y="0"/>
+          <a:chExt cx="0" cy="0"/>
+        </a:xfrm>
+      </p:grpSpPr>
+      <p:pic>
+        <p:nvPicPr>
+          <p:cNvPr id="5" name="图片 4">
+            <a:extLst>
+              <a:ext uri="{FF2B5EF4-FFF2-40B4-BE49-F238E27FC236}">
+                <a16:creationId xmlns:a16="http://schemas.microsoft.com/office/drawing/2014/main" id="{8D635517-AC83-41D1-A17E-C502B8067025}"/>
+              </a:ext>
+            </a:extLst>
+          </p:cNvPr>
+          <p:cNvPicPr>
+            <a:picLocks noChangeAspect="1"/>
+          </p:cNvPicPr>
+          <p:nvPr/>
+        </p:nvPicPr>
+        <p:blipFill>
+          <a:blip r:embed="rId2">
+            <a:extLst>
+              <a:ext uri="{28A0092B-C50C-407E-A947-70E740481C1C}">
+                <a14:useLocalDpi xmlns:a14="http://schemas.microsoft.com/office/drawing/2010/main" val="0"/>
+              </a:ext>
+            </a:extLst>
+          </a:blip>
+          <a:stretch>
+            <a:fillRect/>
+          </a:stretch>
+        </p:blipFill>
+        <p:spPr>
+          <a:xfrm>
+            <a:off x="134225" y="2216153"/>
+            <a:ext cx="2590740" cy="2590740"/>
+          </a:xfrm>
+          <a:prstGeom prst="rect">
+            <a:avLst/>
+          </a:prstGeom>
+        </p:spPr>
+      </p:pic>
+      <p:pic>
+        <p:nvPicPr>
+          <p:cNvPr id="7" name="图片 6">
+            <a:extLst>
+              <a:ext uri="{FF2B5EF4-FFF2-40B4-BE49-F238E27FC236}">
+                <a16:creationId xmlns:a16="http://schemas.microsoft.com/office/drawing/2014/main" id="{7CD2488A-36DD-4DAE-96BF-654A7CB029BB}"/>
+              </a:ext>
+            </a:extLst>
+          </p:cNvPr>
+          <p:cNvPicPr>
+            <a:picLocks noChangeAspect="1"/>
+          </p:cNvPicPr>
+          <p:nvPr/>
+        </p:nvPicPr>
+        <p:blipFill>
+          <a:blip r:embed="rId3">
+            <a:extLst>
+              <a:ext uri="{28A0092B-C50C-407E-A947-70E740481C1C}">
+                <a14:useLocalDpi xmlns:a14="http://schemas.microsoft.com/office/drawing/2010/main" val="0"/>
+              </a:ext>
+            </a:extLst>
+          </a:blip>
+          <a:stretch>
+            <a:fillRect/>
+          </a:stretch>
+        </p:blipFill>
+        <p:spPr>
+          <a:xfrm>
+            <a:off x="6180779" y="2216152"/>
+            <a:ext cx="2590739" cy="2590739"/>
+          </a:xfrm>
+          <a:prstGeom prst="rect">
+            <a:avLst/>
+          </a:prstGeom>
+        </p:spPr>
+      </p:pic>
+      <p:sp>
+        <p:nvSpPr>
+          <p:cNvPr id="8" name="文本框 7">
+            <a:extLst>
+              <a:ext uri="{FF2B5EF4-FFF2-40B4-BE49-F238E27FC236}">
+                <a16:creationId xmlns:a16="http://schemas.microsoft.com/office/drawing/2014/main" id="{7F77EDB8-DC5B-4B8A-A202-B060E2A6C06B}"/>
+              </a:ext>
+            </a:extLst>
+          </p:cNvPr>
+          <p:cNvSpPr txBox="1"/>
+          <p:nvPr/>
+        </p:nvSpPr>
+        <p:spPr>
+          <a:xfrm>
+            <a:off x="2750501" y="3326855"/>
+            <a:ext cx="338554" cy="369332"/>
+          </a:xfrm>
+          <a:prstGeom prst="rect">
+            <a:avLst/>
+          </a:prstGeom>
+          <a:noFill/>
+        </p:spPr>
+        <p:txBody>
+          <a:bodyPr wrap="none" rtlCol="0">
+            <a:spAutoFit/>
+          </a:bodyPr>
+          <a:lstStyle/>
+          <a:p>
+            <a:r>
+              <a:rPr lang="en-US" altLang="zh-CN" dirty="0"/>
+              <a:t>+</a:t>
+            </a:r>
+            <a:endParaRPr lang="zh-CN" altLang="en-US" dirty="0"/>
+          </a:p>
+        </p:txBody>
+      </p:sp>
+      <p:sp>
+        <p:nvSpPr>
+          <p:cNvPr id="9" name="文本框 8">
+            <a:extLst>
+              <a:ext uri="{FF2B5EF4-FFF2-40B4-BE49-F238E27FC236}">
+                <a16:creationId xmlns:a16="http://schemas.microsoft.com/office/drawing/2014/main" id="{9BDFB722-F8F2-41B1-9C73-3290721982DE}"/>
+              </a:ext>
+            </a:extLst>
+          </p:cNvPr>
+          <p:cNvSpPr txBox="1"/>
+          <p:nvPr/>
+        </p:nvSpPr>
+        <p:spPr>
+          <a:xfrm>
+            <a:off x="5770924" y="3336771"/>
+            <a:ext cx="338554" cy="369332"/>
+          </a:xfrm>
+          <a:prstGeom prst="rect">
+            <a:avLst/>
+          </a:prstGeom>
+          <a:noFill/>
+        </p:spPr>
+        <p:txBody>
+          <a:bodyPr wrap="none" rtlCol="0">
+            <a:spAutoFit/>
+          </a:bodyPr>
+          <a:lstStyle/>
+          <a:p>
+            <a:r>
+              <a:rPr lang="en-US" altLang="zh-CN" dirty="0"/>
+              <a:t>+</a:t>
+            </a:r>
+            <a:endParaRPr lang="zh-CN" altLang="en-US" dirty="0"/>
+          </a:p>
+        </p:txBody>
+      </p:sp>
+      <p:sp>
+        <p:nvSpPr>
+          <p:cNvPr id="10" name="文本框 9">
+            <a:extLst>
+              <a:ext uri="{FF2B5EF4-FFF2-40B4-BE49-F238E27FC236}">
+                <a16:creationId xmlns:a16="http://schemas.microsoft.com/office/drawing/2014/main" id="{2E4C9840-FB02-4C92-9A77-DCFB31774CDE}"/>
+              </a:ext>
+            </a:extLst>
+          </p:cNvPr>
+          <p:cNvSpPr txBox="1"/>
+          <p:nvPr/>
+        </p:nvSpPr>
+        <p:spPr>
+          <a:xfrm>
+            <a:off x="8965727" y="3326855"/>
+            <a:ext cx="338554" cy="369332"/>
+          </a:xfrm>
+          <a:prstGeom prst="rect">
+            <a:avLst/>
+          </a:prstGeom>
+          <a:noFill/>
+        </p:spPr>
+        <p:txBody>
+          <a:bodyPr wrap="none" rtlCol="0">
+            <a:spAutoFit/>
+          </a:bodyPr>
+          <a:lstStyle/>
+          <a:p>
+            <a:r>
+              <a:rPr lang="en-US" altLang="zh-CN" dirty="0"/>
+              <a:t>=</a:t>
+            </a:r>
+            <a:endParaRPr lang="zh-CN" altLang="en-US" dirty="0"/>
+          </a:p>
+        </p:txBody>
+      </p:sp>
+      <p:pic>
+        <p:nvPicPr>
+          <p:cNvPr id="14" name="图片 13">
+            <a:extLst>
+              <a:ext uri="{FF2B5EF4-FFF2-40B4-BE49-F238E27FC236}">
+                <a16:creationId xmlns:a16="http://schemas.microsoft.com/office/drawing/2014/main" id="{78C3E6AD-D583-49FD-9502-3F201DF915E5}"/>
+              </a:ext>
+            </a:extLst>
+          </p:cNvPr>
+          <p:cNvPicPr>
+            <a:picLocks noChangeAspect="1"/>
+          </p:cNvPicPr>
+          <p:nvPr/>
+        </p:nvPicPr>
+        <p:blipFill>
+          <a:blip r:embed="rId4">
+            <a:extLst>
+              <a:ext uri="{28A0092B-C50C-407E-A947-70E740481C1C}">
+                <a14:useLocalDpi xmlns:a14="http://schemas.microsoft.com/office/drawing/2010/main" val="0"/>
+              </a:ext>
+            </a:extLst>
+          </a:blip>
+          <a:stretch>
+            <a:fillRect/>
+          </a:stretch>
+        </p:blipFill>
+        <p:spPr>
+          <a:xfrm>
+            <a:off x="3180185" y="2216152"/>
+            <a:ext cx="2590739" cy="2590739"/>
+          </a:xfrm>
+          <a:prstGeom prst="rect">
+            <a:avLst/>
+          </a:prstGeom>
+        </p:spPr>
+      </p:pic>
+      <p:pic>
+        <p:nvPicPr>
+          <p:cNvPr id="15" name="图片 14">
+            <a:extLst>
+              <a:ext uri="{FF2B5EF4-FFF2-40B4-BE49-F238E27FC236}">
+                <a16:creationId xmlns:a16="http://schemas.microsoft.com/office/drawing/2014/main" id="{1660C99C-2023-4D59-A0F8-42D8A20BBF36}"/>
+              </a:ext>
+            </a:extLst>
+          </p:cNvPr>
+          <p:cNvPicPr>
+            <a:picLocks noChangeAspect="1"/>
+          </p:cNvPicPr>
+          <p:nvPr/>
+        </p:nvPicPr>
+        <p:blipFill>
+          <a:blip r:embed="rId5">
+            <a:extLst>
+              <a:ext uri="{28A0092B-C50C-407E-A947-70E740481C1C}">
+                <a14:useLocalDpi xmlns:a14="http://schemas.microsoft.com/office/drawing/2010/main" val="0"/>
+              </a:ext>
+            </a:extLst>
+          </a:blip>
+          <a:stretch>
+            <a:fillRect/>
+          </a:stretch>
+        </p:blipFill>
+        <p:spPr>
+          <a:xfrm>
+            <a:off x="9441499" y="2216152"/>
+            <a:ext cx="2590739" cy="2590739"/>
+          </a:xfrm>
+          <a:prstGeom prst="rect">
+            <a:avLst/>
+          </a:prstGeom>
+        </p:spPr>
+      </p:pic>
+    </p:spTree>
+    <p:extLst>
+      <p:ext uri="{BB962C8B-B14F-4D97-AF65-F5344CB8AC3E}">
+        <p14:creationId xmlns:p14="http://schemas.microsoft.com/office/powerpoint/2010/main" val="4074180849"/>
+      </p:ext>
+    </p:extLst>
+  </p:cSld>
+  <p:clrMapOvr>
+    <a:masterClrMapping/>
+  </p:clrMapOvr>
+</p:sld>
+</file>
+
 <file path=ppt/theme/theme1.xml><?xml version="1.0" encoding="utf-8"?>
 <a:theme xmlns:a="http://schemas.openxmlformats.org/drawingml/2006/main" name="Office 主题​​">
   <a:themeElements>
